--- a/【Test】seq2seq/pytorch/laborary.PPTX
+++ b/【Test】seq2seq/pytorch/laborary.PPTX
@@ -3792,6 +3792,42 @@
           </a:fontRef>
         </p:style>
       </p:cxnSp>
+      <p:sp>
+        <p:nvSpPr>
+          <p:cNvPr id="2" name="文本框 1">
+            <a:extLst>
+              <a:ext uri="{FF2B5EF4-FFF2-40B4-BE49-F238E27FC236}">
+                <a16:creationId xmlns:a16="http://schemas.microsoft.com/office/drawing/2014/main" id="{31DD4A09-6113-4AC8-9AF8-A6798D82EA2D}"/>
+              </a:ext>
+            </a:extLst>
+          </p:cNvPr>
+          <p:cNvSpPr txBox="1"/>
+          <p:nvPr/>
+        </p:nvSpPr>
+        <p:spPr>
+          <a:xfrm>
+            <a:off x="6012160" y="4653136"/>
+            <a:ext cx="1944216" cy="369332"/>
+          </a:xfrm>
+          <a:prstGeom prst="rect">
+            <a:avLst/>
+          </a:prstGeom>
+          <a:noFill/>
+        </p:spPr>
+        <p:txBody>
+          <a:bodyPr wrap="square" rtlCol="0">
+            <a:spAutoFit/>
+          </a:bodyPr>
+          <a:lstStyle/>
+          <a:p>
+            <a:r>
+              <a:rPr lang="en-US" altLang="zh-CN" dirty="0"/>
+              <a:t>100%</a:t>
+            </a:r>
+            <a:endParaRPr lang="zh-CN" altLang="en-US" dirty="0"/>
+          </a:p>
+        </p:txBody>
+      </p:sp>
     </p:spTree>
     <p:extLst>
       <p:ext uri="{BB962C8B-B14F-4D97-AF65-F5344CB8AC3E}">
@@ -4669,12 +4705,9 @@
 </file>
 
 <file path=customXml/item1.xml><?xml version="1.0" encoding="utf-8"?>
-<?mso-contentType ?>
-<FormTemplates xmlns="http://schemas.microsoft.com/sharepoint/v3/contenttype/forms">
-  <Display>DocumentLibraryForm</Display>
-  <Edit>DocumentLibraryForm</Edit>
-  <New>DocumentLibraryForm</New>
-</FormTemplates>
+<p:properties xmlns:p="http://schemas.microsoft.com/office/2006/metadata/properties" xmlns:xsi="http://www.w3.org/2001/XMLSchema-instance" xmlns:pc="http://schemas.microsoft.com/office/infopath/2007/PartnerControls">
+  <documentManagement/>
+</p:properties>
 </file>
 
 <file path=customXml/item2.xml><?xml version="1.0" encoding="utf-8"?>
@@ -4895,15 +4928,27 @@
 </file>
 
 <file path=customXml/item3.xml><?xml version="1.0" encoding="utf-8"?>
-<p:properties xmlns:p="http://schemas.microsoft.com/office/2006/metadata/properties" xmlns:xsi="http://www.w3.org/2001/XMLSchema-instance" xmlns:pc="http://schemas.microsoft.com/office/infopath/2007/PartnerControls">
-  <documentManagement/>
-</p:properties>
+<?mso-contentType ?>
+<FormTemplates xmlns="http://schemas.microsoft.com/sharepoint/v3/contenttype/forms">
+  <Display>DocumentLibraryForm</Display>
+  <Edit>DocumentLibraryForm</Edit>
+  <New>DocumentLibraryForm</New>
+</FormTemplates>
 </file>
 
 <file path=customXml/itemProps1.xml><?xml version="1.0" encoding="utf-8"?>
-<ds:datastoreItem xmlns:ds="http://schemas.openxmlformats.org/officeDocument/2006/customXml" ds:itemID="{CB672698-7069-4D7D-AAD8-27A4DF8DDAAB}">
+<ds:datastoreItem xmlns:ds="http://schemas.openxmlformats.org/officeDocument/2006/customXml" ds:itemID="{1D81F77D-AA91-4CF5-AD14-03D7B275460B}">
   <ds:schemaRefs>
-    <ds:schemaRef ds:uri="http://schemas.microsoft.com/sharepoint/v3/contenttype/forms"/>
+    <ds:schemaRef ds:uri="http://purl.org/dc/elements/1.1/"/>
+    <ds:schemaRef ds:uri="http://schemas.microsoft.com/office/2006/metadata/properties"/>
+    <ds:schemaRef ds:uri="http://purl.org/dc/terms/"/>
+    <ds:schemaRef ds:uri="http://schemas.microsoft.com/office/2006/documentManagement/types"/>
+    <ds:schemaRef ds:uri="http://purl.org/dc/dcmitype/"/>
+    <ds:schemaRef ds:uri="http://schemas.microsoft.com/office/infopath/2007/PartnerControls"/>
+    <ds:schemaRef ds:uri="http://schemas.openxmlformats.org/package/2006/metadata/core-properties"/>
+    <ds:schemaRef ds:uri="887e1eb4-d705-45f4-998c-aa955aed8a7f"/>
+    <ds:schemaRef ds:uri="25a9b192-4ffd-45fe-9f9b-78d47ef7d08b"/>
+    <ds:schemaRef ds:uri="http://www.w3.org/XML/1998/namespace"/>
   </ds:schemaRefs>
 </ds:datastoreItem>
 </file>
@@ -4928,18 +4973,9 @@
 </file>
 
 <file path=customXml/itemProps3.xml><?xml version="1.0" encoding="utf-8"?>
-<ds:datastoreItem xmlns:ds="http://schemas.openxmlformats.org/officeDocument/2006/customXml" ds:itemID="{1D81F77D-AA91-4CF5-AD14-03D7B275460B}">
+<ds:datastoreItem xmlns:ds="http://schemas.openxmlformats.org/officeDocument/2006/customXml" ds:itemID="{CB672698-7069-4D7D-AAD8-27A4DF8DDAAB}">
   <ds:schemaRefs>
-    <ds:schemaRef ds:uri="http://purl.org/dc/elements/1.1/"/>
-    <ds:schemaRef ds:uri="http://schemas.microsoft.com/office/2006/metadata/properties"/>
-    <ds:schemaRef ds:uri="http://purl.org/dc/terms/"/>
-    <ds:schemaRef ds:uri="http://schemas.microsoft.com/office/2006/documentManagement/types"/>
-    <ds:schemaRef ds:uri="http://purl.org/dc/dcmitype/"/>
-    <ds:schemaRef ds:uri="http://schemas.microsoft.com/office/infopath/2007/PartnerControls"/>
-    <ds:schemaRef ds:uri="http://schemas.openxmlformats.org/package/2006/metadata/core-properties"/>
-    <ds:schemaRef ds:uri="887e1eb4-d705-45f4-998c-aa955aed8a7f"/>
-    <ds:schemaRef ds:uri="25a9b192-4ffd-45fe-9f9b-78d47ef7d08b"/>
-    <ds:schemaRef ds:uri="http://www.w3.org/XML/1998/namespace"/>
+    <ds:schemaRef ds:uri="http://schemas.microsoft.com/sharepoint/v3/contenttype/forms"/>
   </ds:schemaRefs>
 </ds:datastoreItem>
 </file>